--- a/iteration-2/analysis/Usability Requirements & Heuristics Analysis.pptx
+++ b/iteration-2/analysis/Usability Requirements & Heuristics Analysis.pptx
@@ -5172,10 +5172,10 @@
       </p:pic>
       <p:sp>
         <p:nvSpPr>
-          <p:cNvPr id="21" name="TextBox 20">
-            <a:extLst>
-              <a:ext uri="{FF2B5EF4-FFF2-40B4-BE49-F238E27FC236}">
-                <a16:creationId xmlns:a16="http://schemas.microsoft.com/office/drawing/2014/main" id="{5FF4B59A-9FE5-4ECB-9874-97C4EB93E8A8}"/>
+          <p:cNvPr id="20" name="TextBox 19">
+            <a:extLst>
+              <a:ext uri="{FF2B5EF4-FFF2-40B4-BE49-F238E27FC236}">
+                <a16:creationId xmlns:a16="http://schemas.microsoft.com/office/drawing/2014/main" id="{000D8CFE-B7C7-44F3-9282-9069E06DA347}"/>
               </a:ext>
             </a:extLst>
           </p:cNvPr>
@@ -5184,8 +5184,8 @@
         </p:nvSpPr>
         <p:spPr>
           <a:xfrm>
-            <a:off x="363264" y="2767058"/>
-            <a:ext cx="659085" cy="338554"/>
+            <a:off x="221007" y="2769894"/>
+            <a:ext cx="862069" cy="338554"/>
           </a:xfrm>
           <a:prstGeom prst="rect">
             <a:avLst/>
@@ -5203,7 +5203,7 @@
             <a:pPr algn="ctr"/>
             <a:r>
               <a:rPr lang="de-DE" sz="1600" b="1" dirty="0"/>
-              <a:t>HiFi?</a:t>
+              <a:t>HTML?</a:t>
             </a:r>
             <a:endParaRPr lang="en-AT" sz="1600" b="1" dirty="0"/>
           </a:p>
@@ -5211,10 +5211,10 @@
       </p:sp>
       <p:sp>
         <p:nvSpPr>
-          <p:cNvPr id="24" name="TextBox 23">
-            <a:extLst>
-              <a:ext uri="{FF2B5EF4-FFF2-40B4-BE49-F238E27FC236}">
-                <a16:creationId xmlns:a16="http://schemas.microsoft.com/office/drawing/2014/main" id="{D4CBDD5C-B63C-4A6C-9875-F830710830DF}"/>
+          <p:cNvPr id="22" name="TextBox 21">
+            <a:extLst>
+              <a:ext uri="{FF2B5EF4-FFF2-40B4-BE49-F238E27FC236}">
+                <a16:creationId xmlns:a16="http://schemas.microsoft.com/office/drawing/2014/main" id="{4E7B4238-CE9E-4E8D-BFAB-47079B144536}"/>
               </a:ext>
             </a:extLst>
           </p:cNvPr>
@@ -5223,8 +5223,8 @@
         </p:nvSpPr>
         <p:spPr>
           <a:xfrm>
-            <a:off x="3698997" y="3558825"/>
-            <a:ext cx="659085" cy="338554"/>
+            <a:off x="2425769" y="4310962"/>
+            <a:ext cx="796825" cy="338554"/>
           </a:xfrm>
           <a:prstGeom prst="rect">
             <a:avLst/>
@@ -5242,7 +5242,7 @@
             <a:pPr algn="ctr"/>
             <a:r>
               <a:rPr lang="de-DE" sz="1600" b="1" dirty="0"/>
-              <a:t>HiFi?</a:t>
+              <a:t>HTML?</a:t>
             </a:r>
             <a:endParaRPr lang="en-AT" sz="1600" b="1" dirty="0"/>
           </a:p>
@@ -5250,10 +5250,10 @@
       </p:sp>
       <p:sp>
         <p:nvSpPr>
-          <p:cNvPr id="25" name="TextBox 24">
-            <a:extLst>
-              <a:ext uri="{FF2B5EF4-FFF2-40B4-BE49-F238E27FC236}">
-                <a16:creationId xmlns:a16="http://schemas.microsoft.com/office/drawing/2014/main" id="{D574801E-1995-462F-9752-1AD4B7DC918C}"/>
+          <p:cNvPr id="31" name="TextBox 30">
+            <a:extLst>
+              <a:ext uri="{FF2B5EF4-FFF2-40B4-BE49-F238E27FC236}">
+                <a16:creationId xmlns:a16="http://schemas.microsoft.com/office/drawing/2014/main" id="{B45AC62A-962D-41F4-9ED0-947510594084}"/>
               </a:ext>
             </a:extLst>
           </p:cNvPr>
@@ -5262,8 +5262,8 @@
         </p:nvSpPr>
         <p:spPr>
           <a:xfrm>
-            <a:off x="4130489" y="4164003"/>
-            <a:ext cx="659085" cy="338554"/>
+            <a:off x="4040361" y="4157362"/>
+            <a:ext cx="746485" cy="338554"/>
           </a:xfrm>
           <a:prstGeom prst="rect">
             <a:avLst/>
@@ -5281,7 +5281,7 @@
             <a:pPr algn="ctr"/>
             <a:r>
               <a:rPr lang="de-DE" sz="1600" b="1" dirty="0"/>
-              <a:t>HiFi</a:t>
+              <a:t>HTML</a:t>
             </a:r>
             <a:endParaRPr lang="en-AT" sz="1600" b="1" dirty="0"/>
           </a:p>
@@ -5289,10 +5289,10 @@
       </p:sp>
       <p:sp>
         <p:nvSpPr>
-          <p:cNvPr id="26" name="TextBox 25">
-            <a:extLst>
-              <a:ext uri="{FF2B5EF4-FFF2-40B4-BE49-F238E27FC236}">
-                <a16:creationId xmlns:a16="http://schemas.microsoft.com/office/drawing/2014/main" id="{E8720638-5576-4F16-958F-3305A4DD23BA}"/>
+          <p:cNvPr id="33" name="TextBox 32">
+            <a:extLst>
+              <a:ext uri="{FF2B5EF4-FFF2-40B4-BE49-F238E27FC236}">
+                <a16:creationId xmlns:a16="http://schemas.microsoft.com/office/drawing/2014/main" id="{74DA70F2-0C20-4B7E-ACFA-72DB27CD0712}"/>
               </a:ext>
             </a:extLst>
           </p:cNvPr>
@@ -5301,8 +5301,8 @@
         </p:nvSpPr>
         <p:spPr>
           <a:xfrm>
-            <a:off x="7630016" y="3442313"/>
-            <a:ext cx="659085" cy="338554"/>
+            <a:off x="7544749" y="3512477"/>
+            <a:ext cx="746485" cy="338554"/>
           </a:xfrm>
           <a:prstGeom prst="rect">
             <a:avLst/>
@@ -5320,7 +5320,7 @@
             <a:pPr algn="ctr"/>
             <a:r>
               <a:rPr lang="de-DE" sz="1600" b="1" dirty="0"/>
-              <a:t>HiFi</a:t>
+              <a:t>HTML</a:t>
             </a:r>
             <a:endParaRPr lang="en-AT" sz="1600" b="1" dirty="0"/>
           </a:p>
@@ -5328,10 +5328,10 @@
       </p:sp>
       <p:sp>
         <p:nvSpPr>
-          <p:cNvPr id="27" name="TextBox 26">
-            <a:extLst>
-              <a:ext uri="{FF2B5EF4-FFF2-40B4-BE49-F238E27FC236}">
-                <a16:creationId xmlns:a16="http://schemas.microsoft.com/office/drawing/2014/main" id="{82FB83E2-6FEC-47C0-8924-D17EBCBD7791}"/>
+          <p:cNvPr id="34" name="TextBox 33">
+            <a:extLst>
+              <a:ext uri="{FF2B5EF4-FFF2-40B4-BE49-F238E27FC236}">
+                <a16:creationId xmlns:a16="http://schemas.microsoft.com/office/drawing/2014/main" id="{7630B8F1-5C99-4A26-B5FA-0DDF674626C1}"/>
               </a:ext>
             </a:extLst>
           </p:cNvPr>
@@ -5340,8 +5340,8 @@
         </p:nvSpPr>
         <p:spPr>
           <a:xfrm>
-            <a:off x="7822187" y="2591385"/>
-            <a:ext cx="659085" cy="338554"/>
+            <a:off x="7778485" y="2569236"/>
+            <a:ext cx="746485" cy="338554"/>
           </a:xfrm>
           <a:prstGeom prst="rect">
             <a:avLst/>
@@ -5359,7 +5359,7 @@
             <a:pPr algn="ctr"/>
             <a:r>
               <a:rPr lang="de-DE" sz="1600" b="1" dirty="0"/>
-              <a:t>HiFi</a:t>
+              <a:t>HTML</a:t>
             </a:r>
             <a:endParaRPr lang="en-AT" sz="1600" b="1" dirty="0"/>
           </a:p>
@@ -5367,10 +5367,10 @@
       </p:sp>
       <p:sp>
         <p:nvSpPr>
-          <p:cNvPr id="28" name="TextBox 27">
-            <a:extLst>
-              <a:ext uri="{FF2B5EF4-FFF2-40B4-BE49-F238E27FC236}">
-                <a16:creationId xmlns:a16="http://schemas.microsoft.com/office/drawing/2014/main" id="{3BA59D18-F259-499B-A7D8-DCB623121A4D}"/>
+          <p:cNvPr id="35" name="TextBox 34">
+            <a:extLst>
+              <a:ext uri="{FF2B5EF4-FFF2-40B4-BE49-F238E27FC236}">
+                <a16:creationId xmlns:a16="http://schemas.microsoft.com/office/drawing/2014/main" id="{B613C0D5-CEE3-4332-BB15-C14B773843D0}"/>
               </a:ext>
             </a:extLst>
           </p:cNvPr>
@@ -5379,8 +5379,8 @@
         </p:nvSpPr>
         <p:spPr>
           <a:xfrm>
-            <a:off x="11499192" y="2526949"/>
-            <a:ext cx="659085" cy="338554"/>
+            <a:off x="11340573" y="2455801"/>
+            <a:ext cx="746485" cy="338554"/>
           </a:xfrm>
           <a:prstGeom prst="rect">
             <a:avLst/>
@@ -5398,7 +5398,7 @@
             <a:pPr algn="ctr"/>
             <a:r>
               <a:rPr lang="de-DE" sz="1600" b="1" dirty="0"/>
-              <a:t>HiFi</a:t>
+              <a:t>HTML</a:t>
             </a:r>
             <a:endParaRPr lang="en-AT" sz="1600" b="1" dirty="0"/>
           </a:p>
@@ -5406,10 +5406,10 @@
       </p:sp>
       <p:sp>
         <p:nvSpPr>
-          <p:cNvPr id="29" name="TextBox 28">
-            <a:extLst>
-              <a:ext uri="{FF2B5EF4-FFF2-40B4-BE49-F238E27FC236}">
-                <a16:creationId xmlns:a16="http://schemas.microsoft.com/office/drawing/2014/main" id="{A1D14F02-B8D0-49C2-99EA-E0A198728845}"/>
+          <p:cNvPr id="36" name="TextBox 35">
+            <a:extLst>
+              <a:ext uri="{FF2B5EF4-FFF2-40B4-BE49-F238E27FC236}">
+                <a16:creationId xmlns:a16="http://schemas.microsoft.com/office/drawing/2014/main" id="{2C26FD3B-D0CF-4EDB-9321-5D886CEFB8A9}"/>
               </a:ext>
             </a:extLst>
           </p:cNvPr>
@@ -5418,8 +5418,8 @@
         </p:nvSpPr>
         <p:spPr>
           <a:xfrm>
-            <a:off x="7713401" y="5213404"/>
-            <a:ext cx="876655" cy="584775"/>
+            <a:off x="7778484" y="5354661"/>
+            <a:ext cx="746485" cy="338554"/>
           </a:xfrm>
           <a:prstGeom prst="rect">
             <a:avLst/>
@@ -5437,7 +5437,7 @@
             <a:pPr algn="ctr"/>
             <a:r>
               <a:rPr lang="de-DE" sz="1600" b="1" dirty="0"/>
-              <a:t>HiFi (partly)</a:t>
+              <a:t>HTML</a:t>
             </a:r>
             <a:endParaRPr lang="en-AT" sz="1600" b="1" dirty="0"/>
           </a:p>
@@ -5445,10 +5445,10 @@
       </p:sp>
       <p:sp>
         <p:nvSpPr>
-          <p:cNvPr id="30" name="TextBox 29">
-            <a:extLst>
-              <a:ext uri="{FF2B5EF4-FFF2-40B4-BE49-F238E27FC236}">
-                <a16:creationId xmlns:a16="http://schemas.microsoft.com/office/drawing/2014/main" id="{14C0CE16-8126-4526-A3C4-3DBB73F0B0BE}"/>
+          <p:cNvPr id="37" name="TextBox 36">
+            <a:extLst>
+              <a:ext uri="{FF2B5EF4-FFF2-40B4-BE49-F238E27FC236}">
+                <a16:creationId xmlns:a16="http://schemas.microsoft.com/office/drawing/2014/main" id="{24755C3C-6724-4941-89CC-F897E966A8F6}"/>
               </a:ext>
             </a:extLst>
           </p:cNvPr>
@@ -5457,8 +5457,8 @@
         </p:nvSpPr>
         <p:spPr>
           <a:xfrm>
-            <a:off x="11362347" y="5239100"/>
-            <a:ext cx="659085" cy="338554"/>
+            <a:off x="11340573" y="5322324"/>
+            <a:ext cx="746485" cy="338554"/>
           </a:xfrm>
           <a:prstGeom prst="rect">
             <a:avLst/>
@@ -5476,7 +5476,7 @@
             <a:pPr algn="ctr"/>
             <a:r>
               <a:rPr lang="de-DE" sz="1600" b="1" dirty="0"/>
-              <a:t>HiFi</a:t>
+              <a:t>HTML</a:t>
             </a:r>
             <a:endParaRPr lang="en-AT" sz="1600" b="1" dirty="0"/>
           </a:p>
@@ -5934,7 +5934,7 @@
               <a:rPr lang="de-DE" sz="3600" dirty="0">
                 <a:latin typeface="Helvetica" pitchFamily="2" charset="0"/>
               </a:rPr>
-              <a:t>Nielsen – Heuristic Analysis (LoFi Integration)</a:t>
+              <a:t>Nielsen – Heuristic Analysis (HiFi Integration)</a:t>
             </a:r>
             <a:endParaRPr lang="en-AT" sz="3200" dirty="0">
               <a:latin typeface="Helvetica" pitchFamily="2" charset="0"/>
@@ -6836,7 +6836,7 @@
               <a:rPr lang="de-DE" sz="3600" dirty="0">
                 <a:latin typeface="Helvetica" pitchFamily="2" charset="0"/>
               </a:rPr>
-              <a:t>Nielsen – Heuristic Analysis (LoFi Integration)</a:t>
+              <a:t>Nielsen – Heuristic Analysis (HiFi Integration)</a:t>
             </a:r>
             <a:endParaRPr lang="en-AT" sz="3200" dirty="0">
               <a:latin typeface="Helvetica" pitchFamily="2" charset="0"/>
@@ -7812,7 +7812,7 @@
               <a:rPr lang="de-DE" sz="3600" dirty="0">
                 <a:latin typeface="Helvetica" pitchFamily="2" charset="0"/>
               </a:rPr>
-              <a:t>Nielsen – Heuristic Analysis (LoFi Integration)</a:t>
+              <a:t>Nielsen – Heuristic Analysis (HiFi Integration)</a:t>
             </a:r>
             <a:endParaRPr lang="en-AT" sz="3200" dirty="0">
               <a:latin typeface="Helvetica" pitchFamily="2" charset="0"/>
@@ -8530,7 +8530,7 @@
               <a:rPr lang="de-DE" sz="3600" dirty="0">
                 <a:latin typeface="Helvetica" pitchFamily="2" charset="0"/>
               </a:rPr>
-              <a:t>Nielsen – Heuristic Analysis (LoFi Integration)</a:t>
+              <a:t>Nielsen – Heuristic Analysis (HiFi Integration)</a:t>
             </a:r>
             <a:endParaRPr lang="en-AT" sz="3200" dirty="0">
               <a:latin typeface="Helvetica" pitchFamily="2" charset="0"/>
@@ -12914,7 +12914,7 @@
             </a:r>
             <a:r>
               <a:rPr lang="de-DE" sz="2000" dirty="0"/>
-              <a:t> a LoFi prototype, the </a:t>
+              <a:t> a HiFi prototype, the </a:t>
             </a:r>
             <a:r>
               <a:rPr lang="de-DE" sz="2000" dirty="0" err="1"/>
@@ -12978,7 +12978,7 @@
             </a:r>
             <a:r>
               <a:rPr lang="de-DE" sz="2000" dirty="0"/>
-              <a:t> the HiFi prototype.</a:t>
+              <a:t> the HTML prototype.</a:t>
             </a:r>
           </a:p>
           <a:p>
@@ -13005,7 +13005,7 @@
             </a:r>
             <a:r>
               <a:rPr lang="de-DE" sz="2000" dirty="0"/>
-              <a:t> to the LoFi prototype </a:t>
+              <a:t> to the HiFi prototype </a:t>
             </a:r>
             <a:r>
               <a:rPr lang="de-DE" sz="2000" dirty="0" err="1"/>
@@ -13607,8 +13607,8 @@
         </p:nvSpPr>
         <p:spPr>
           <a:xfrm>
-            <a:off x="394702" y="2480307"/>
-            <a:ext cx="579120" cy="338554"/>
+            <a:off x="227337" y="2457798"/>
+            <a:ext cx="746485" cy="338554"/>
           </a:xfrm>
           <a:prstGeom prst="rect">
             <a:avLst/>
@@ -13626,7 +13626,7 @@
             <a:pPr algn="ctr"/>
             <a:r>
               <a:rPr lang="de-DE" sz="1600" b="1" dirty="0"/>
-              <a:t>HiFi</a:t>
+              <a:t>HTML</a:t>
             </a:r>
             <a:endParaRPr lang="en-AT" sz="1600" b="1" dirty="0"/>
           </a:p>
@@ -13634,10 +13634,10 @@
       </p:sp>
       <p:sp>
         <p:nvSpPr>
-          <p:cNvPr id="31" name="TextBox 30">
-            <a:extLst>
-              <a:ext uri="{FF2B5EF4-FFF2-40B4-BE49-F238E27FC236}">
-                <a16:creationId xmlns:a16="http://schemas.microsoft.com/office/drawing/2014/main" id="{12EBD181-88C8-437B-8C52-48197FF29FB1}"/>
+          <p:cNvPr id="16" name="TextBox 15">
+            <a:extLst>
+              <a:ext uri="{FF2B5EF4-FFF2-40B4-BE49-F238E27FC236}">
+                <a16:creationId xmlns:a16="http://schemas.microsoft.com/office/drawing/2014/main" id="{429D6651-7DD1-41C4-812F-2465FE89EC62}"/>
               </a:ext>
             </a:extLst>
           </p:cNvPr>
@@ -13646,8 +13646,8 @@
         </p:nvSpPr>
         <p:spPr>
           <a:xfrm>
-            <a:off x="7279916" y="2500991"/>
-            <a:ext cx="579120" cy="338554"/>
+            <a:off x="7116436" y="2539176"/>
+            <a:ext cx="746485" cy="338554"/>
           </a:xfrm>
           <a:prstGeom prst="rect">
             <a:avLst/>
@@ -13665,7 +13665,7 @@
             <a:pPr algn="ctr"/>
             <a:r>
               <a:rPr lang="de-DE" sz="1600" b="1" dirty="0"/>
-              <a:t>HiFi</a:t>
+              <a:t>HTML</a:t>
             </a:r>
             <a:endParaRPr lang="en-AT" sz="1600" b="1" dirty="0"/>
           </a:p>
@@ -13673,10 +13673,10 @@
       </p:sp>
       <p:sp>
         <p:nvSpPr>
-          <p:cNvPr id="34" name="TextBox 33">
-            <a:extLst>
-              <a:ext uri="{FF2B5EF4-FFF2-40B4-BE49-F238E27FC236}">
-                <a16:creationId xmlns:a16="http://schemas.microsoft.com/office/drawing/2014/main" id="{3E759E79-9F78-4C80-9E98-25E0E95BC2F0}"/>
+          <p:cNvPr id="17" name="TextBox 16">
+            <a:extLst>
+              <a:ext uri="{FF2B5EF4-FFF2-40B4-BE49-F238E27FC236}">
+                <a16:creationId xmlns:a16="http://schemas.microsoft.com/office/drawing/2014/main" id="{6BFC5A96-CAB5-4AFC-BDC2-005399218710}"/>
               </a:ext>
             </a:extLst>
           </p:cNvPr>
@@ -13685,8 +13685,8 @@
         </p:nvSpPr>
         <p:spPr>
           <a:xfrm>
-            <a:off x="10786020" y="3443210"/>
-            <a:ext cx="579120" cy="338554"/>
+            <a:off x="10702337" y="3384485"/>
+            <a:ext cx="746485" cy="338554"/>
           </a:xfrm>
           <a:prstGeom prst="rect">
             <a:avLst/>
@@ -13704,7 +13704,7 @@
             <a:pPr algn="ctr"/>
             <a:r>
               <a:rPr lang="de-DE" sz="1600" b="1" dirty="0"/>
-              <a:t>HiFi</a:t>
+              <a:t>HTML</a:t>
             </a:r>
             <a:endParaRPr lang="en-AT" sz="1600" b="1" dirty="0"/>
           </a:p>
@@ -13712,10 +13712,10 @@
       </p:sp>
       <p:sp>
         <p:nvSpPr>
-          <p:cNvPr id="35" name="TextBox 34">
-            <a:extLst>
-              <a:ext uri="{FF2B5EF4-FFF2-40B4-BE49-F238E27FC236}">
-                <a16:creationId xmlns:a16="http://schemas.microsoft.com/office/drawing/2014/main" id="{2F1CD683-0C26-4C4A-8770-A1BFBB8E135D}"/>
+          <p:cNvPr id="19" name="TextBox 18">
+            <a:extLst>
+              <a:ext uri="{FF2B5EF4-FFF2-40B4-BE49-F238E27FC236}">
+                <a16:creationId xmlns:a16="http://schemas.microsoft.com/office/drawing/2014/main" id="{20D43E4A-786E-4955-9C27-F444745B5035}"/>
               </a:ext>
             </a:extLst>
           </p:cNvPr>
@@ -13724,8 +13724,8 @@
         </p:nvSpPr>
         <p:spPr>
           <a:xfrm>
-            <a:off x="10786020" y="4276434"/>
-            <a:ext cx="579120" cy="338554"/>
+            <a:off x="10807836" y="4284162"/>
+            <a:ext cx="746485" cy="338554"/>
           </a:xfrm>
           <a:prstGeom prst="rect">
             <a:avLst/>
@@ -13743,7 +13743,7 @@
             <a:pPr algn="ctr"/>
             <a:r>
               <a:rPr lang="de-DE" sz="1600" b="1" dirty="0"/>
-              <a:t>HiFi</a:t>
+              <a:t>HTML</a:t>
             </a:r>
             <a:endParaRPr lang="en-AT" sz="1600" b="1" dirty="0"/>
           </a:p>
@@ -14301,10 +14301,10 @@
       </p:pic>
       <p:sp>
         <p:nvSpPr>
-          <p:cNvPr id="17" name="TextBox 16">
-            <a:extLst>
-              <a:ext uri="{FF2B5EF4-FFF2-40B4-BE49-F238E27FC236}">
-                <a16:creationId xmlns:a16="http://schemas.microsoft.com/office/drawing/2014/main" id="{2493DCD4-1AC4-4A27-A52F-BC33DAD55FB8}"/>
+          <p:cNvPr id="18" name="TextBox 17">
+            <a:extLst>
+              <a:ext uri="{FF2B5EF4-FFF2-40B4-BE49-F238E27FC236}">
+                <a16:creationId xmlns:a16="http://schemas.microsoft.com/office/drawing/2014/main" id="{1EC466CE-5864-42E1-8025-1BFD7B76B8EC}"/>
               </a:ext>
             </a:extLst>
           </p:cNvPr>
@@ -14313,8 +14313,8 @@
         </p:nvSpPr>
         <p:spPr>
           <a:xfrm>
-            <a:off x="1079455" y="4470740"/>
-            <a:ext cx="579120" cy="338554"/>
+            <a:off x="934321" y="4480452"/>
+            <a:ext cx="746485" cy="338554"/>
           </a:xfrm>
           <a:prstGeom prst="rect">
             <a:avLst/>
@@ -14332,7 +14332,7 @@
             <a:pPr algn="ctr"/>
             <a:r>
               <a:rPr lang="de-DE" sz="1600" b="1" dirty="0"/>
-              <a:t>HiFi</a:t>
+              <a:t>HTML</a:t>
             </a:r>
             <a:endParaRPr lang="en-AT" sz="1600" b="1" dirty="0"/>
           </a:p>
@@ -14340,10 +14340,10 @@
       </p:sp>
       <p:sp>
         <p:nvSpPr>
-          <p:cNvPr id="19" name="TextBox 18">
-            <a:extLst>
-              <a:ext uri="{FF2B5EF4-FFF2-40B4-BE49-F238E27FC236}">
-                <a16:creationId xmlns:a16="http://schemas.microsoft.com/office/drawing/2014/main" id="{9293239E-E436-41E1-8D3A-DFA13379D867}"/>
+          <p:cNvPr id="20" name="TextBox 19">
+            <a:extLst>
+              <a:ext uri="{FF2B5EF4-FFF2-40B4-BE49-F238E27FC236}">
+                <a16:creationId xmlns:a16="http://schemas.microsoft.com/office/drawing/2014/main" id="{417CC90A-5BA0-4149-919E-43E9E1AE5BD2}"/>
               </a:ext>
             </a:extLst>
           </p:cNvPr>
@@ -14352,8 +14352,8 @@
         </p:nvSpPr>
         <p:spPr>
           <a:xfrm>
-            <a:off x="3990634" y="2773441"/>
-            <a:ext cx="579120" cy="338554"/>
+            <a:off x="3830006" y="2711790"/>
+            <a:ext cx="746485" cy="338554"/>
           </a:xfrm>
           <a:prstGeom prst="rect">
             <a:avLst/>
@@ -14371,7 +14371,7 @@
             <a:pPr algn="ctr"/>
             <a:r>
               <a:rPr lang="de-DE" sz="1600" b="1" dirty="0"/>
-              <a:t>HiFi</a:t>
+              <a:t>HTML</a:t>
             </a:r>
             <a:endParaRPr lang="en-AT" sz="1600" b="1" dirty="0"/>
           </a:p>
@@ -14379,10 +14379,10 @@
       </p:sp>
       <p:sp>
         <p:nvSpPr>
-          <p:cNvPr id="21" name="TextBox 20">
-            <a:extLst>
-              <a:ext uri="{FF2B5EF4-FFF2-40B4-BE49-F238E27FC236}">
-                <a16:creationId xmlns:a16="http://schemas.microsoft.com/office/drawing/2014/main" id="{150DDC5F-615B-4F6E-92AD-AB3FA66B0BFD}"/>
+          <p:cNvPr id="22" name="TextBox 21">
+            <a:extLst>
+              <a:ext uri="{FF2B5EF4-FFF2-40B4-BE49-F238E27FC236}">
+                <a16:creationId xmlns:a16="http://schemas.microsoft.com/office/drawing/2014/main" id="{7D40147C-8702-46CB-ABA4-E245D6B5A614}"/>
               </a:ext>
             </a:extLst>
           </p:cNvPr>
@@ -14391,8 +14391,8 @@
         </p:nvSpPr>
         <p:spPr>
           <a:xfrm>
-            <a:off x="7484715" y="2711790"/>
-            <a:ext cx="579120" cy="338554"/>
+            <a:off x="3815893" y="3618875"/>
+            <a:ext cx="746485" cy="338554"/>
           </a:xfrm>
           <a:prstGeom prst="rect">
             <a:avLst/>
@@ -14410,7 +14410,7 @@
             <a:pPr algn="ctr"/>
             <a:r>
               <a:rPr lang="de-DE" sz="1600" b="1" dirty="0"/>
-              <a:t>HiFi</a:t>
+              <a:t>HTML</a:t>
             </a:r>
             <a:endParaRPr lang="en-AT" sz="1600" b="1" dirty="0"/>
           </a:p>
@@ -14418,10 +14418,10 @@
       </p:sp>
       <p:sp>
         <p:nvSpPr>
-          <p:cNvPr id="23" name="TextBox 22">
-            <a:extLst>
-              <a:ext uri="{FF2B5EF4-FFF2-40B4-BE49-F238E27FC236}">
-                <a16:creationId xmlns:a16="http://schemas.microsoft.com/office/drawing/2014/main" id="{51D9EFD4-4EBA-4FB9-80CB-3DF956FF3029}"/>
+          <p:cNvPr id="25" name="TextBox 24">
+            <a:extLst>
+              <a:ext uri="{FF2B5EF4-FFF2-40B4-BE49-F238E27FC236}">
+                <a16:creationId xmlns:a16="http://schemas.microsoft.com/office/drawing/2014/main" id="{22FA2697-ABB2-403E-80D9-28921FAF4550}"/>
               </a:ext>
             </a:extLst>
           </p:cNvPr>
@@ -14430,8 +14430,8 @@
         </p:nvSpPr>
         <p:spPr>
           <a:xfrm>
-            <a:off x="3965847" y="3576561"/>
-            <a:ext cx="579120" cy="338554"/>
+            <a:off x="7484715" y="2711790"/>
+            <a:ext cx="746485" cy="338554"/>
           </a:xfrm>
           <a:prstGeom prst="rect">
             <a:avLst/>
@@ -14449,7 +14449,7 @@
             <a:pPr algn="ctr"/>
             <a:r>
               <a:rPr lang="de-DE" sz="1600" b="1" dirty="0"/>
-              <a:t>HiFi</a:t>
+              <a:t>HTML</a:t>
             </a:r>
             <a:endParaRPr lang="en-AT" sz="1600" b="1" dirty="0"/>
           </a:p>
@@ -14457,10 +14457,10 @@
       </p:sp>
       <p:sp>
         <p:nvSpPr>
-          <p:cNvPr id="24" name="TextBox 23">
-            <a:extLst>
-              <a:ext uri="{FF2B5EF4-FFF2-40B4-BE49-F238E27FC236}">
-                <a16:creationId xmlns:a16="http://schemas.microsoft.com/office/drawing/2014/main" id="{583E1A68-C63E-4826-B7C7-EF03E1473AE5}"/>
+          <p:cNvPr id="27" name="TextBox 26">
+            <a:extLst>
+              <a:ext uri="{FF2B5EF4-FFF2-40B4-BE49-F238E27FC236}">
+                <a16:creationId xmlns:a16="http://schemas.microsoft.com/office/drawing/2014/main" id="{5C57258E-EC9C-4A4C-A117-E2D6BB528561}"/>
               </a:ext>
             </a:extLst>
           </p:cNvPr>
@@ -14469,8 +14469,8 @@
         </p:nvSpPr>
         <p:spPr>
           <a:xfrm>
-            <a:off x="7484715" y="3546006"/>
-            <a:ext cx="579120" cy="338554"/>
+            <a:off x="7481680" y="3591736"/>
+            <a:ext cx="746485" cy="338554"/>
           </a:xfrm>
           <a:prstGeom prst="rect">
             <a:avLst/>
@@ -14488,7 +14488,7 @@
             <a:pPr algn="ctr"/>
             <a:r>
               <a:rPr lang="de-DE" sz="1600" b="1" dirty="0"/>
-              <a:t>HiFi</a:t>
+              <a:t>HTML</a:t>
             </a:r>
             <a:endParaRPr lang="en-AT" sz="1600" b="1" dirty="0"/>
           </a:p>
@@ -14496,10 +14496,10 @@
       </p:sp>
       <p:sp>
         <p:nvSpPr>
-          <p:cNvPr id="26" name="TextBox 25">
-            <a:extLst>
-              <a:ext uri="{FF2B5EF4-FFF2-40B4-BE49-F238E27FC236}">
-                <a16:creationId xmlns:a16="http://schemas.microsoft.com/office/drawing/2014/main" id="{00893A4A-D05D-4965-8055-DF2D6D9FA766}"/>
+          <p:cNvPr id="29" name="TextBox 28">
+            <a:extLst>
+              <a:ext uri="{FF2B5EF4-FFF2-40B4-BE49-F238E27FC236}">
+                <a16:creationId xmlns:a16="http://schemas.microsoft.com/office/drawing/2014/main" id="{A05CF4CB-64C6-4222-9B73-098CD9E32D27}"/>
               </a:ext>
             </a:extLst>
           </p:cNvPr>
@@ -14508,8 +14508,8 @@
         </p:nvSpPr>
         <p:spPr>
           <a:xfrm>
-            <a:off x="8561718" y="2942718"/>
-            <a:ext cx="579120" cy="338554"/>
+            <a:off x="8394353" y="3049838"/>
+            <a:ext cx="746485" cy="338554"/>
           </a:xfrm>
           <a:prstGeom prst="rect">
             <a:avLst/>
@@ -14527,7 +14527,7 @@
             <a:pPr algn="ctr"/>
             <a:r>
               <a:rPr lang="de-DE" sz="1600" b="1" dirty="0"/>
-              <a:t>HiFi</a:t>
+              <a:t>HTML</a:t>
             </a:r>
             <a:endParaRPr lang="en-AT" sz="1600" b="1" dirty="0"/>
           </a:p>
@@ -15298,13 +15298,13 @@
 </file>
 
 <file path=customXml/itemProps1.xml><?xml version="1.0" encoding="utf-8"?>
-<ds:datastoreItem xmlns:ds="http://schemas.openxmlformats.org/officeDocument/2006/customXml" ds:itemID="{E72F73BD-C43B-4D5F-A231-92995953319B}"/>
+<ds:datastoreItem xmlns:ds="http://schemas.openxmlformats.org/officeDocument/2006/customXml" ds:itemID="{668F0C4F-E7D5-403F-BCC9-2F9C53D1E17A}"/>
 </file>
 
 <file path=customXml/itemProps2.xml><?xml version="1.0" encoding="utf-8"?>
-<ds:datastoreItem xmlns:ds="http://schemas.openxmlformats.org/officeDocument/2006/customXml" ds:itemID="{D4096944-7D24-414B-90D8-7808E34CD4EB}"/>
+<ds:datastoreItem xmlns:ds="http://schemas.openxmlformats.org/officeDocument/2006/customXml" ds:itemID="{C9459802-7098-412C-B546-11E8094D9A32}"/>
 </file>
 
 <file path=customXml/itemProps3.xml><?xml version="1.0" encoding="utf-8"?>
-<ds:datastoreItem xmlns:ds="http://schemas.openxmlformats.org/officeDocument/2006/customXml" ds:itemID="{C89B93DA-B746-480B-9395-184BAE14F930}"/>
+<ds:datastoreItem xmlns:ds="http://schemas.openxmlformats.org/officeDocument/2006/customXml" ds:itemID="{EBF42F74-C281-4E89-B07D-C73787480A17}"/>
 </file>